--- a/wrims2_vscript/doc/Position Analysis with CalLite_20130717.pptx
+++ b/wrims2_vscript/doc/Position Analysis with CalLite_20130717.pptx
@@ -17,10 +17,12 @@
     <p:sldId id="269" r:id="rId11"/>
     <p:sldId id="271" r:id="rId12"/>
     <p:sldId id="276" r:id="rId13"/>
-    <p:sldId id="275" r:id="rId14"/>
-    <p:sldId id="257" r:id="rId15"/>
-    <p:sldId id="265" r:id="rId16"/>
-    <p:sldId id="259" r:id="rId17"/>
+    <p:sldId id="279" r:id="rId14"/>
+    <p:sldId id="280" r:id="rId15"/>
+    <p:sldId id="275" r:id="rId16"/>
+    <p:sldId id="257" r:id="rId17"/>
+    <p:sldId id="265" r:id="rId18"/>
+    <p:sldId id="259" r:id="rId19"/>
   </p:sldIdLst>
   <p:sldSz cx="9144000" cy="6858000" type="screen4x3"/>
   <p:notesSz cx="6858000" cy="9144000"/>
@@ -303,7 +305,7 @@
           <a:p>
             <a:fld id="{2C308518-5484-4D27-A27E-16604AEEC442}" type="datetimeFigureOut">
               <a:rPr lang="en-US" smtClean="0"/>
-              <a:t>7/17/2013</a:t>
+              <a:t>7/30/2013</a:t>
             </a:fld>
             <a:endParaRPr lang="en-US"/>
           </a:p>
@@ -473,7 +475,7 @@
           <a:p>
             <a:fld id="{2C308518-5484-4D27-A27E-16604AEEC442}" type="datetimeFigureOut">
               <a:rPr lang="en-US" smtClean="0"/>
-              <a:t>7/17/2013</a:t>
+              <a:t>7/30/2013</a:t>
             </a:fld>
             <a:endParaRPr lang="en-US"/>
           </a:p>
@@ -653,7 +655,7 @@
           <a:p>
             <a:fld id="{2C308518-5484-4D27-A27E-16604AEEC442}" type="datetimeFigureOut">
               <a:rPr lang="en-US" smtClean="0"/>
-              <a:t>7/17/2013</a:t>
+              <a:t>7/30/2013</a:t>
             </a:fld>
             <a:endParaRPr lang="en-US"/>
           </a:p>
@@ -823,7 +825,7 @@
           <a:p>
             <a:fld id="{2C308518-5484-4D27-A27E-16604AEEC442}" type="datetimeFigureOut">
               <a:rPr lang="en-US" smtClean="0"/>
-              <a:t>7/17/2013</a:t>
+              <a:t>7/30/2013</a:t>
             </a:fld>
             <a:endParaRPr lang="en-US"/>
           </a:p>
@@ -1069,7 +1071,7 @@
           <a:p>
             <a:fld id="{2C308518-5484-4D27-A27E-16604AEEC442}" type="datetimeFigureOut">
               <a:rPr lang="en-US" smtClean="0"/>
-              <a:t>7/17/2013</a:t>
+              <a:t>7/30/2013</a:t>
             </a:fld>
             <a:endParaRPr lang="en-US"/>
           </a:p>
@@ -1357,7 +1359,7 @@
           <a:p>
             <a:fld id="{2C308518-5484-4D27-A27E-16604AEEC442}" type="datetimeFigureOut">
               <a:rPr lang="en-US" smtClean="0"/>
-              <a:t>7/17/2013</a:t>
+              <a:t>7/30/2013</a:t>
             </a:fld>
             <a:endParaRPr lang="en-US"/>
           </a:p>
@@ -1779,7 +1781,7 @@
           <a:p>
             <a:fld id="{2C308518-5484-4D27-A27E-16604AEEC442}" type="datetimeFigureOut">
               <a:rPr lang="en-US" smtClean="0"/>
-              <a:t>7/17/2013</a:t>
+              <a:t>7/30/2013</a:t>
             </a:fld>
             <a:endParaRPr lang="en-US"/>
           </a:p>
@@ -1897,7 +1899,7 @@
           <a:p>
             <a:fld id="{2C308518-5484-4D27-A27E-16604AEEC442}" type="datetimeFigureOut">
               <a:rPr lang="en-US" smtClean="0"/>
-              <a:t>7/17/2013</a:t>
+              <a:t>7/30/2013</a:t>
             </a:fld>
             <a:endParaRPr lang="en-US"/>
           </a:p>
@@ -1992,7 +1994,7 @@
           <a:p>
             <a:fld id="{2C308518-5484-4D27-A27E-16604AEEC442}" type="datetimeFigureOut">
               <a:rPr lang="en-US" smtClean="0"/>
-              <a:t>7/17/2013</a:t>
+              <a:t>7/30/2013</a:t>
             </a:fld>
             <a:endParaRPr lang="en-US"/>
           </a:p>
@@ -2269,7 +2271,7 @@
           <a:p>
             <a:fld id="{2C308518-5484-4D27-A27E-16604AEEC442}" type="datetimeFigureOut">
               <a:rPr lang="en-US" smtClean="0"/>
-              <a:t>7/17/2013</a:t>
+              <a:t>7/30/2013</a:t>
             </a:fld>
             <a:endParaRPr lang="en-US"/>
           </a:p>
@@ -2522,7 +2524,7 @@
           <a:p>
             <a:fld id="{2C308518-5484-4D27-A27E-16604AEEC442}" type="datetimeFigureOut">
               <a:rPr lang="en-US" smtClean="0"/>
-              <a:t>7/17/2013</a:t>
+              <a:t>7/30/2013</a:t>
             </a:fld>
             <a:endParaRPr lang="en-US"/>
           </a:p>
@@ -2735,7 +2737,7 @@
           <a:p>
             <a:fld id="{2C308518-5484-4D27-A27E-16604AEEC442}" type="datetimeFigureOut">
               <a:rPr lang="en-US" smtClean="0"/>
-              <a:t>7/17/2013</a:t>
+              <a:t>7/30/2013</a:t>
             </a:fld>
             <a:endParaRPr lang="en-US"/>
           </a:p>
@@ -3227,9 +3229,13 @@
             </a:r>
             <a:r>
               <a:rPr lang="en-US" sz="3600" dirty="0" smtClean="0"/>
-              <a:t>4. Create lookup table to convert future WY to historical WY   </a:t>
-            </a:r>
-            <a:endParaRPr lang="en-US" sz="3600" u="sng" dirty="0"/>
+              <a:t>4. </a:t>
+            </a:r>
+            <a:r>
+              <a:rPr lang="en-US" sz="3600" strike="sngStrike" dirty="0" smtClean="0"/>
+              <a:t>Create lookup table to convert future WY to historical WY   </a:t>
+            </a:r>
+            <a:endParaRPr lang="en-US" sz="3600" u="sng" strike="sngStrike" dirty="0"/>
           </a:p>
         </p:txBody>
       </p:sp>
@@ -3492,11 +3498,7 @@
             </a:br>
             <a:r>
               <a:rPr lang="en-US" sz="2800" dirty="0" smtClean="0"/>
-              <a:t>- for forecasted data or non-historical </a:t>
-            </a:r>
-            <a:r>
-              <a:rPr lang="en-US" sz="2800" dirty="0" smtClean="0"/>
-              <a:t>data</a:t>
+              <a:t>- for forecasted data or non-historical data</a:t>
             </a:r>
           </a:p>
           <a:p>
@@ -3519,19 +3521,7 @@
             </a:br>
             <a:r>
               <a:rPr lang="en-US" sz="2800" dirty="0" smtClean="0"/>
-              <a:t>- so D1485 tables will not be </a:t>
-            </a:r>
-            <a:r>
-              <a:rPr lang="en-US" sz="2800" dirty="0" smtClean="0"/>
-              <a:t>necessary </a:t>
-            </a:r>
-            <a:r>
-              <a:rPr lang="en-US" sz="2800" dirty="0" smtClean="0"/>
-              <a:t>when D1485 option is </a:t>
-            </a:r>
-            <a:r>
-              <a:rPr lang="en-US" sz="2800" dirty="0" smtClean="0"/>
-              <a:t>off</a:t>
+              <a:t>- so D1485 tables will not be necessary when D1485 option is off</a:t>
             </a:r>
           </a:p>
           <a:p>
@@ -3539,7 +3529,7 @@
           </a:p>
           <a:p>
             <a:r>
-              <a:rPr lang="en-US" dirty="0" smtClean="0"/>
+              <a:rPr lang="en-US" strike="sngStrike" dirty="0" smtClean="0"/>
               <a:t>ANN salinity with non-historical data</a:t>
             </a:r>
           </a:p>
@@ -3551,7 +3541,6 @@
               <a:rPr lang="en-US" dirty="0" smtClean="0"/>
               <a:t>Start month is not October</a:t>
             </a:r>
-            <a:endParaRPr lang="en-US" dirty="0" smtClean="0"/>
           </a:p>
           <a:p>
             <a:endParaRPr lang="en-US" dirty="0" smtClean="0"/>
@@ -3574,14 +3563,6 @@
 <file path=ppt/slides/slide13.xml><?xml version="1.0" encoding="utf-8"?>
 <p:sld xmlns:a="http://schemas.openxmlformats.org/drawingml/2006/main" xmlns:r="http://schemas.openxmlformats.org/officeDocument/2006/relationships" xmlns:p="http://schemas.openxmlformats.org/presentationml/2006/main">
   <p:cSld>
-    <p:bg>
-      <p:bgPr>
-        <a:solidFill>
-          <a:srgbClr val="C00000"/>
-        </a:solidFill>
-        <a:effectLst/>
-      </p:bgPr>
-    </p:bg>
     <p:spTree>
       <p:nvGrpSpPr>
         <p:cNvPr id="1" name=""/>
@@ -3596,10 +3577,82 @@
           <a:chExt cx="0" cy="0"/>
         </a:xfrm>
       </p:grpSpPr>
+      <p:sp>
+        <p:nvSpPr>
+          <p:cNvPr id="2" name="Title 1"/>
+          <p:cNvSpPr>
+            <a:spLocks noGrp="1"/>
+          </p:cNvSpPr>
+          <p:nvPr>
+            <p:ph type="title"/>
+          </p:nvPr>
+        </p:nvSpPr>
+        <p:spPr/>
+        <p:txBody>
+          <a:bodyPr/>
+          <a:lstStyle/>
+          <a:p>
+            <a:r>
+              <a:rPr lang="en-US" dirty="0" smtClean="0"/>
+              <a:t>To do list </a:t>
+            </a:r>
+            <a:endParaRPr lang="en-US" dirty="0"/>
+          </a:p>
+        </p:txBody>
+      </p:sp>
+      <p:sp>
+        <p:nvSpPr>
+          <p:cNvPr id="3" name="Content Placeholder 2"/>
+          <p:cNvSpPr>
+            <a:spLocks noGrp="1"/>
+          </p:cNvSpPr>
+          <p:nvPr>
+            <p:ph idx="1"/>
+          </p:nvPr>
+        </p:nvSpPr>
+        <p:spPr>
+          <a:xfrm>
+            <a:off x="457200" y="1524000"/>
+            <a:ext cx="8229600" cy="4602163"/>
+          </a:xfrm>
+        </p:spPr>
+        <p:txBody>
+          <a:bodyPr>
+            <a:normAutofit/>
+          </a:bodyPr>
+          <a:lstStyle/>
+          <a:p>
+            <a:r>
+              <a:rPr lang="en-US" dirty="0" smtClean="0"/>
+              <a:t>Support hydrology forecasting</a:t>
+            </a:r>
+            <a:endParaRPr lang="en-US" sz="2800" dirty="0" smtClean="0"/>
+          </a:p>
+          <a:p>
+            <a:pPr marL="0" indent="0">
+              <a:buNone/>
+            </a:pPr>
+            <a:endParaRPr lang="en-US" sz="2800" dirty="0" smtClean="0"/>
+          </a:p>
+          <a:p>
+            <a:r>
+              <a:rPr lang="en-US" dirty="0" smtClean="0"/>
+              <a:t>Develop graphical user interface</a:t>
+            </a:r>
+            <a:endParaRPr lang="en-US" sz="2800" dirty="0" smtClean="0"/>
+          </a:p>
+          <a:p>
+            <a:endParaRPr lang="en-US" sz="2800" dirty="0" smtClean="0"/>
+          </a:p>
+          <a:p>
+            <a:endParaRPr lang="en-US" dirty="0" smtClean="0"/>
+          </a:p>
+        </p:txBody>
+      </p:sp>
     </p:spTree>
     <p:extLst>
       <p:ext uri="{BB962C8B-B14F-4D97-AF65-F5344CB8AC3E}">
-        <p14:creationId xmlns:p14="http://schemas.microsoft.com/office/powerpoint/2010/main" val="3233943518"/>
+        <p14:creationId xmlns:p14="http://schemas.microsoft.com/office/powerpoint/2010/main" val="2807050924"/>
       </p:ext>
     </p:extLst>
   </p:cSld>
@@ -3641,6 +3694,151 @@
           <a:bodyPr/>
           <a:lstStyle/>
           <a:p>
+            <a:r>
+              <a:rPr lang="en-US" dirty="0" smtClean="0"/>
+              <a:t>Where to download? </a:t>
+            </a:r>
+            <a:endParaRPr lang="en-US" dirty="0"/>
+          </a:p>
+        </p:txBody>
+      </p:sp>
+      <p:pic>
+        <p:nvPicPr>
+          <p:cNvPr id="1026" name="Picture 2"/>
+          <p:cNvPicPr>
+            <a:picLocks noChangeAspect="1" noChangeArrowheads="1"/>
+          </p:cNvPicPr>
+          <p:nvPr/>
+        </p:nvPicPr>
+        <p:blipFill>
+          <a:blip r:embed="rId2">
+            <a:extLst>
+              <a:ext uri="{28A0092B-C50C-407E-A947-70E740481C1C}">
+                <a14:useLocalDpi xmlns:a14="http://schemas.microsoft.com/office/drawing/2010/main" val="0"/>
+              </a:ext>
+            </a:extLst>
+          </a:blip>
+          <a:srcRect/>
+          <a:stretch>
+            <a:fillRect/>
+          </a:stretch>
+        </p:blipFill>
+        <p:spPr bwMode="auto">
+          <a:xfrm>
+            <a:off x="152400" y="1485900"/>
+            <a:ext cx="8837613" cy="3886200"/>
+          </a:xfrm>
+          <a:prstGeom prst="rect">
+            <a:avLst/>
+          </a:prstGeom>
+          <a:noFill/>
+          <a:ln>
+            <a:noFill/>
+          </a:ln>
+          <a:extLst>
+            <a:ext uri="{909E8E84-426E-40DD-AFC4-6F175D3DCCD1}">
+              <a14:hiddenFill xmlns:a14="http://schemas.microsoft.com/office/drawing/2010/main">
+                <a:solidFill>
+                  <a:schemeClr val="accent1"/>
+                </a:solidFill>
+              </a14:hiddenFill>
+            </a:ext>
+            <a:ext uri="{91240B29-F687-4F45-9708-019B960494DF}">
+              <a14:hiddenLine xmlns:a14="http://schemas.microsoft.com/office/drawing/2010/main" w="9525">
+                <a:solidFill>
+                  <a:schemeClr val="tx1"/>
+                </a:solidFill>
+                <a:miter lim="800000"/>
+                <a:headEnd/>
+                <a:tailEnd/>
+              </a14:hiddenLine>
+            </a:ext>
+          </a:extLst>
+        </p:spPr>
+      </p:pic>
+    </p:spTree>
+    <p:extLst>
+      <p:ext uri="{BB962C8B-B14F-4D97-AF65-F5344CB8AC3E}">
+        <p14:creationId xmlns:p14="http://schemas.microsoft.com/office/powerpoint/2010/main" val="1290273695"/>
+      </p:ext>
+    </p:extLst>
+  </p:cSld>
+  <p:clrMapOvr>
+    <a:masterClrMapping/>
+  </p:clrMapOvr>
+</p:sld>
+</file>
+
+<file path=ppt/slides/slide15.xml><?xml version="1.0" encoding="utf-8"?>
+<p:sld xmlns:a="http://schemas.openxmlformats.org/drawingml/2006/main" xmlns:r="http://schemas.openxmlformats.org/officeDocument/2006/relationships" xmlns:p="http://schemas.openxmlformats.org/presentationml/2006/main">
+  <p:cSld>
+    <p:bg>
+      <p:bgPr>
+        <a:solidFill>
+          <a:srgbClr val="C00000"/>
+        </a:solidFill>
+        <a:effectLst/>
+      </p:bgPr>
+    </p:bg>
+    <p:spTree>
+      <p:nvGrpSpPr>
+        <p:cNvPr id="1" name=""/>
+        <p:cNvGrpSpPr/>
+        <p:nvPr/>
+      </p:nvGrpSpPr>
+      <p:grpSpPr>
+        <a:xfrm>
+          <a:off x="0" y="0"/>
+          <a:ext cx="0" cy="0"/>
+          <a:chOff x="0" y="0"/>
+          <a:chExt cx="0" cy="0"/>
+        </a:xfrm>
+      </p:grpSpPr>
+    </p:spTree>
+    <p:extLst>
+      <p:ext uri="{BB962C8B-B14F-4D97-AF65-F5344CB8AC3E}">
+        <p14:creationId xmlns:p14="http://schemas.microsoft.com/office/powerpoint/2010/main" val="3233943518"/>
+      </p:ext>
+    </p:extLst>
+  </p:cSld>
+  <p:clrMapOvr>
+    <a:masterClrMapping/>
+  </p:clrMapOvr>
+</p:sld>
+</file>
+
+<file path=ppt/slides/slide16.xml><?xml version="1.0" encoding="utf-8"?>
+<p:sld xmlns:a="http://schemas.openxmlformats.org/drawingml/2006/main" xmlns:r="http://schemas.openxmlformats.org/officeDocument/2006/relationships" xmlns:p="http://schemas.openxmlformats.org/presentationml/2006/main">
+  <p:cSld>
+    <p:spTree>
+      <p:nvGrpSpPr>
+        <p:cNvPr id="1" name=""/>
+        <p:cNvGrpSpPr/>
+        <p:nvPr/>
+      </p:nvGrpSpPr>
+      <p:grpSpPr>
+        <a:xfrm>
+          <a:off x="0" y="0"/>
+          <a:ext cx="0" cy="0"/>
+          <a:chOff x="0" y="0"/>
+          <a:chExt cx="0" cy="0"/>
+        </a:xfrm>
+      </p:grpSpPr>
+      <p:sp>
+        <p:nvSpPr>
+          <p:cNvPr id="2" name="Title 1"/>
+          <p:cNvSpPr>
+            <a:spLocks noGrp="1"/>
+          </p:cNvSpPr>
+          <p:nvPr>
+            <p:ph type="title"/>
+          </p:nvPr>
+        </p:nvSpPr>
+        <p:spPr/>
+        <p:txBody>
+          <a:bodyPr/>
+          <a:lstStyle/>
+          <a:p>
             <a:endParaRPr lang="en-US"/>
           </a:p>
         </p:txBody>
@@ -3747,7 +3945,7 @@
 </p:sld>
 </file>
 
-<file path=ppt/slides/slide15.xml><?xml version="1.0" encoding="utf-8"?>
+<file path=ppt/slides/slide17.xml><?xml version="1.0" encoding="utf-8"?>
 <p:sld xmlns:a="http://schemas.openxmlformats.org/drawingml/2006/main" xmlns:r="http://schemas.openxmlformats.org/officeDocument/2006/relationships" xmlns:p="http://schemas.openxmlformats.org/presentationml/2006/main">
   <p:cSld>
     <p:spTree>
@@ -5461,7 +5659,7 @@
 </p:sld>
 </file>
 
-<file path=ppt/slides/slide16.xml><?xml version="1.0" encoding="utf-8"?>
+<file path=ppt/slides/slide18.xml><?xml version="1.0" encoding="utf-8"?>
 <p:sld xmlns:a="http://schemas.openxmlformats.org/drawingml/2006/main" xmlns:r="http://schemas.openxmlformats.org/officeDocument/2006/relationships" xmlns:p="http://schemas.openxmlformats.org/presentationml/2006/main">
   <p:cSld>
     <p:spTree>
@@ -11539,7 +11737,7 @@
             </a:r>
             <a:r>
               <a:rPr lang="en-US" sz="3600" dirty="0" smtClean="0"/>
-              <a:t>. Prepare initial data</a:t>
+              <a:t>. Prepare initial data (by User)</a:t>
             </a:r>
             <a:endParaRPr lang="en-US" sz="3600" u="sng" dirty="0"/>
           </a:p>
